--- a/thesis/abs/DOANCN_PhamDuyTan.pptx
+++ b/thesis/abs/DOANCN_PhamDuyTan.pptx
@@ -18877,7 +18877,7 @@
           <a:p>
             <a:fld id="{1BE29360-F96B-430B-BC6D-21D78918F6BA}" type="datetimeFigureOut">
               <a:rPr lang="en-US" smtClean="0"/>
-              <a:t>24/12/2025</a:t>
+              <a:t>12/25/2025</a:t>
             </a:fld>
             <a:endParaRPr lang="en-US"/>
           </a:p>
@@ -19459,7 +19459,7 @@
           <a:p>
             <a:fld id="{BF18EDFD-DA2A-4597-902F-D24D486DF05F}" type="datetimeFigureOut">
               <a:rPr lang="en-US" smtClean="0"/>
-              <a:t>24/12/2025</a:t>
+              <a:t>12/25/2025</a:t>
             </a:fld>
             <a:endParaRPr lang="en-US"/>
           </a:p>
@@ -19657,7 +19657,7 @@
           <a:p>
             <a:fld id="{BF18EDFD-DA2A-4597-902F-D24D486DF05F}" type="datetimeFigureOut">
               <a:rPr lang="en-US" smtClean="0"/>
-              <a:t>24/12/2025</a:t>
+              <a:t>12/25/2025</a:t>
             </a:fld>
             <a:endParaRPr lang="en-US"/>
           </a:p>
@@ -19865,7 +19865,7 @@
           <a:p>
             <a:fld id="{BF18EDFD-DA2A-4597-902F-D24D486DF05F}" type="datetimeFigureOut">
               <a:rPr lang="en-US" smtClean="0"/>
-              <a:t>24/12/2025</a:t>
+              <a:t>12/25/2025</a:t>
             </a:fld>
             <a:endParaRPr lang="en-US"/>
           </a:p>
@@ -20063,7 +20063,7 @@
           <a:p>
             <a:fld id="{BF18EDFD-DA2A-4597-902F-D24D486DF05F}" type="datetimeFigureOut">
               <a:rPr lang="en-US" smtClean="0"/>
-              <a:t>24/12/2025</a:t>
+              <a:t>12/25/2025</a:t>
             </a:fld>
             <a:endParaRPr lang="en-US"/>
           </a:p>
@@ -20338,7 +20338,7 @@
           <a:p>
             <a:fld id="{BF18EDFD-DA2A-4597-902F-D24D486DF05F}" type="datetimeFigureOut">
               <a:rPr lang="en-US" smtClean="0"/>
-              <a:t>24/12/2025</a:t>
+              <a:t>12/25/2025</a:t>
             </a:fld>
             <a:endParaRPr lang="en-US"/>
           </a:p>
@@ -20603,7 +20603,7 @@
           <a:p>
             <a:fld id="{BF18EDFD-DA2A-4597-902F-D24D486DF05F}" type="datetimeFigureOut">
               <a:rPr lang="en-US" smtClean="0"/>
-              <a:t>24/12/2025</a:t>
+              <a:t>12/25/2025</a:t>
             </a:fld>
             <a:endParaRPr lang="en-US"/>
           </a:p>
@@ -21015,7 +21015,7 @@
           <a:p>
             <a:fld id="{BF18EDFD-DA2A-4597-902F-D24D486DF05F}" type="datetimeFigureOut">
               <a:rPr lang="en-US" smtClean="0"/>
-              <a:t>24/12/2025</a:t>
+              <a:t>12/25/2025</a:t>
             </a:fld>
             <a:endParaRPr lang="en-US"/>
           </a:p>
@@ -21156,7 +21156,7 @@
           <a:p>
             <a:fld id="{BF18EDFD-DA2A-4597-902F-D24D486DF05F}" type="datetimeFigureOut">
               <a:rPr lang="en-US" smtClean="0"/>
-              <a:t>24/12/2025</a:t>
+              <a:t>12/25/2025</a:t>
             </a:fld>
             <a:endParaRPr lang="en-US"/>
           </a:p>
@@ -21269,7 +21269,7 @@
           <a:p>
             <a:fld id="{BF18EDFD-DA2A-4597-902F-D24D486DF05F}" type="datetimeFigureOut">
               <a:rPr lang="en-US" smtClean="0"/>
-              <a:t>24/12/2025</a:t>
+              <a:t>12/25/2025</a:t>
             </a:fld>
             <a:endParaRPr lang="en-US"/>
           </a:p>
@@ -21580,7 +21580,7 @@
           <a:p>
             <a:fld id="{BF18EDFD-DA2A-4597-902F-D24D486DF05F}" type="datetimeFigureOut">
               <a:rPr lang="en-US" smtClean="0"/>
-              <a:t>24/12/2025</a:t>
+              <a:t>12/25/2025</a:t>
             </a:fld>
             <a:endParaRPr lang="en-US"/>
           </a:p>
@@ -21868,7 +21868,7 @@
           <a:p>
             <a:fld id="{BF18EDFD-DA2A-4597-902F-D24D486DF05F}" type="datetimeFigureOut">
               <a:rPr lang="en-US" smtClean="0"/>
-              <a:t>24/12/2025</a:t>
+              <a:t>12/25/2025</a:t>
             </a:fld>
             <a:endParaRPr lang="en-US"/>
           </a:p>
@@ -22109,7 +22109,7 @@
           <a:p>
             <a:fld id="{BF18EDFD-DA2A-4597-902F-D24D486DF05F}" type="datetimeFigureOut">
               <a:rPr lang="en-US" smtClean="0"/>
-              <a:t>24/12/2025</a:t>
+              <a:t>12/25/2025</a:t>
             </a:fld>
             <a:endParaRPr lang="en-US"/>
           </a:p>
@@ -23089,8 +23089,8 @@
         </p:nvSpPr>
         <p:spPr>
           <a:xfrm>
-            <a:off x="1804416" y="458406"/>
-            <a:ext cx="6873240" cy="1399922"/>
+            <a:off x="1731264" y="691372"/>
+            <a:ext cx="6873240" cy="797624"/>
           </a:xfrm>
         </p:spPr>
         <p:txBody>
@@ -24008,8 +24008,8 @@
         </p:nvSpPr>
         <p:spPr>
           <a:xfrm>
-            <a:off x="1804416" y="458406"/>
-            <a:ext cx="6873240" cy="1399922"/>
+            <a:off x="1804416" y="616836"/>
+            <a:ext cx="6873240" cy="889064"/>
           </a:xfrm>
         </p:spPr>
         <p:txBody>
@@ -24420,7 +24420,7 @@
                 <a:ea typeface="Calibri" panose="020F0502020204030204" pitchFamily="34" charset="0"/>
                 <a:cs typeface="Calibri" panose="020F0502020204030204" pitchFamily="34" charset="0"/>
               </a:rPr>
-              <a:t> quý thầy cô đã lắng nghe bài thuyết trình của em!</a:t>
+              <a:t> quý thầy cô đã lắng nghe phần trình bày của em!</a:t>
             </a:r>
             <a:endParaRPr lang="en-US" sz="4000" dirty="0">
               <a:latin typeface="Calibri" panose="020F0502020204030204" pitchFamily="34" charset="0"/>
@@ -24681,13 +24681,13 @@
         </p:nvSpPr>
         <p:spPr>
           <a:xfrm>
-            <a:off x="2193788" y="1071392"/>
+            <a:off x="2797292" y="1091775"/>
             <a:ext cx="4145280" cy="729053"/>
           </a:xfrm>
         </p:spPr>
         <p:txBody>
           <a:bodyPr>
-            <a:normAutofit fontScale="90000"/>
+            <a:normAutofit/>
           </a:bodyPr>
           <a:lstStyle/>
           <a:p>
@@ -24695,7 +24695,7 @@
               <a:rPr lang="vi-VN" sz="3600" dirty="0">
                 <a:latin typeface="+mn-lt"/>
               </a:rPr>
-              <a:t>Nội dung thuyết trình</a:t>
+              <a:t>Nội dung trình bày</a:t>
             </a:r>
             <a:endParaRPr lang="en-US" sz="3600" dirty="0">
               <a:latin typeface="+mn-lt"/>
@@ -24721,7 +24721,7 @@
         </p:nvSpPr>
         <p:spPr>
           <a:xfrm>
-            <a:off x="2335193" y="1835178"/>
+            <a:off x="3112433" y="1981482"/>
             <a:ext cx="4983480" cy="4351338"/>
           </a:xfrm>
         </p:spPr>
@@ -24920,8 +24920,8 @@
         </p:nvSpPr>
         <p:spPr>
           <a:xfrm>
-            <a:off x="1740407" y="867790"/>
-            <a:ext cx="6617547" cy="1325563"/>
+            <a:off x="1283207" y="549822"/>
+            <a:ext cx="6617547" cy="879625"/>
           </a:xfrm>
         </p:spPr>
         <p:txBody>
@@ -24958,13 +24958,13 @@
             <p:ph idx="1"/>
             <p:extLst>
               <p:ext uri="{D42A27DB-BD31-4B8C-83A1-F6EECF244321}">
-                <p14:modId xmlns:p14="http://schemas.microsoft.com/office/powerpoint/2010/main" val="1022968129"/>
+                <p14:modId xmlns:p14="http://schemas.microsoft.com/office/powerpoint/2010/main" val="3600378264"/>
               </p:ext>
             </p:extLst>
           </p:nvPr>
         </p:nvGraphicFramePr>
         <p:xfrm>
-          <a:off x="1827487" y="2303363"/>
+          <a:off x="1699471" y="1979269"/>
           <a:ext cx="8555378" cy="3565002"/>
         </p:xfrm>
         <a:graphic>
@@ -25056,7 +25056,7 @@
         </p:nvSpPr>
         <p:spPr>
           <a:xfrm>
-            <a:off x="2069592" y="785494"/>
+            <a:off x="1228344" y="648484"/>
             <a:ext cx="6617208" cy="915290"/>
           </a:xfrm>
         </p:spPr>
@@ -25071,35 +25071,21 @@
                 <a:latin typeface="Arial" panose="020B0604020202020204" pitchFamily="34" charset="0"/>
                 <a:cs typeface="Arial" panose="020B0604020202020204" pitchFamily="34" charset="0"/>
               </a:rPr>
-              <a:t>2. </a:t>
+              <a:t>2. MỤC </a:t>
             </a:r>
             <a:r>
-              <a:rPr lang="vi-VN" sz="2800">
-                <a:latin typeface="Arial" panose="020B0604020202020204" pitchFamily="34" charset="0"/>
-                <a:cs typeface="Arial" panose="020B0604020202020204" pitchFamily="34" charset="0"/>
-              </a:rPr>
-              <a:t>MỤC </a:t>
-            </a:r>
-            <a:r>
-              <a:rPr lang="en-US" sz="2800">
+              <a:rPr lang="en-US" sz="2800" dirty="0">
                 <a:latin typeface="Arial" panose="020B0604020202020204" pitchFamily="34" charset="0"/>
                 <a:cs typeface="Arial" panose="020B0604020202020204" pitchFamily="34" charset="0"/>
               </a:rPr>
               <a:t>ĐÍCH</a:t>
             </a:r>
             <a:r>
-              <a:rPr lang="vi-VN" sz="2800">
-                <a:latin typeface="Arial" panose="020B0604020202020204" pitchFamily="34" charset="0"/>
-                <a:cs typeface="Arial" panose="020B0604020202020204" pitchFamily="34" charset="0"/>
-              </a:rPr>
-              <a:t> </a:t>
-            </a:r>
-            <a:r>
               <a:rPr lang="vi-VN" sz="2800" dirty="0">
                 <a:latin typeface="Arial" panose="020B0604020202020204" pitchFamily="34" charset="0"/>
                 <a:cs typeface="Arial" panose="020B0604020202020204" pitchFamily="34" charset="0"/>
               </a:rPr>
-              <a:t>NGHIÊN CỨU</a:t>
+              <a:t> NGHIÊN CỨU</a:t>
             </a:r>
             <a:endParaRPr lang="en-US" sz="2800" dirty="0">
               <a:latin typeface="Arial" panose="020B0604020202020204" pitchFamily="34" charset="0"/>
@@ -25275,8 +25261,8 @@
         </p:nvSpPr>
         <p:spPr>
           <a:xfrm>
-            <a:off x="1652338" y="1272740"/>
-            <a:ext cx="4983480" cy="1325563"/>
+            <a:off x="1538675" y="1231043"/>
+            <a:ext cx="4983480" cy="888375"/>
           </a:xfrm>
         </p:spPr>
         <p:txBody>
@@ -25821,8 +25807,8 @@
         </p:nvSpPr>
         <p:spPr>
           <a:xfrm>
-            <a:off x="1950720" y="593471"/>
-            <a:ext cx="3654552" cy="1209994"/>
+            <a:off x="1365504" y="446117"/>
+            <a:ext cx="3654552" cy="806769"/>
           </a:xfrm>
         </p:spPr>
         <p:txBody>
@@ -25859,13 +25845,13 @@
             <p:ph idx="1"/>
             <p:extLst>
               <p:ext uri="{D42A27DB-BD31-4B8C-83A1-F6EECF244321}">
-                <p14:modId xmlns:p14="http://schemas.microsoft.com/office/powerpoint/2010/main" val="2423272606"/>
+                <p14:modId xmlns:p14="http://schemas.microsoft.com/office/powerpoint/2010/main" val="714997171"/>
               </p:ext>
             </p:extLst>
           </p:nvPr>
         </p:nvGraphicFramePr>
         <p:xfrm>
-          <a:off x="694481" y="1657160"/>
+          <a:off x="575609" y="1252886"/>
           <a:ext cx="10903352" cy="4351338"/>
         </p:xfrm>
         <a:graphic>
@@ -25957,8 +25943,8 @@
         </p:nvSpPr>
         <p:spPr>
           <a:xfrm>
-            <a:off x="2057400" y="665732"/>
-            <a:ext cx="4636008" cy="1325563"/>
+            <a:off x="978408" y="228600"/>
+            <a:ext cx="4636008" cy="903159"/>
           </a:xfrm>
         </p:spPr>
         <p:txBody>
@@ -25995,13 +25981,13 @@
             <p:ph idx="1"/>
             <p:extLst>
               <p:ext uri="{D42A27DB-BD31-4B8C-83A1-F6EECF244321}">
-                <p14:modId xmlns:p14="http://schemas.microsoft.com/office/powerpoint/2010/main" val="2673210839"/>
+                <p14:modId xmlns:p14="http://schemas.microsoft.com/office/powerpoint/2010/main" val="3441830796"/>
               </p:ext>
             </p:extLst>
           </p:nvPr>
         </p:nvGraphicFramePr>
         <p:xfrm>
-          <a:off x="501446" y="1681315"/>
+          <a:off x="611174" y="1360359"/>
           <a:ext cx="11223708" cy="4822724"/>
         </p:xfrm>
         <a:graphic>
@@ -26093,8 +26079,8 @@
         </p:nvSpPr>
         <p:spPr>
           <a:xfrm>
-            <a:off x="1950719" y="648334"/>
-            <a:ext cx="6214713" cy="1325563"/>
+            <a:off x="1210055" y="547085"/>
+            <a:ext cx="6214713" cy="823850"/>
           </a:xfrm>
         </p:spPr>
         <p:txBody>
@@ -26211,46 +26197,6 @@
           </a:prstGeom>
         </p:spPr>
       </p:pic>
-      <p:sp>
-        <p:nvSpPr>
-          <p:cNvPr id="2" name="Title 1">
-            <a:extLst>
-              <a:ext uri="{FF2B5EF4-FFF2-40B4-BE49-F238E27FC236}">
-                <a16:creationId xmlns:a16="http://schemas.microsoft.com/office/drawing/2014/main" id="{929D1403-E27E-CEF9-A5E7-08D6B6BED932}"/>
-              </a:ext>
-            </a:extLst>
-          </p:cNvPr>
-          <p:cNvSpPr>
-            <a:spLocks noGrp="1"/>
-          </p:cNvSpPr>
-          <p:nvPr>
-            <p:ph type="title"/>
-          </p:nvPr>
-        </p:nvSpPr>
-        <p:spPr>
-          <a:xfrm>
-            <a:off x="1232262" y="452392"/>
-            <a:ext cx="4248913" cy="1209994"/>
-          </a:xfrm>
-        </p:spPr>
-        <p:txBody>
-          <a:bodyPr>
-            <a:normAutofit/>
-          </a:bodyPr>
-          <a:lstStyle/>
-          <a:p>
-            <a:r>
-              <a:rPr lang="vi-VN" sz="2800" dirty="0">
-                <a:latin typeface="+mn-lt"/>
-              </a:rPr>
-              <a:t>7. CƠ SỞ DỮ LIỆU</a:t>
-            </a:r>
-            <a:endParaRPr lang="en-US" sz="2800" dirty="0">
-              <a:latin typeface="+mn-lt"/>
-            </a:endParaRPr>
-          </a:p>
-        </p:txBody>
-      </p:sp>
       <p:pic>
         <p:nvPicPr>
           <p:cNvPr id="7" name="Picture 6" descr="A screenshot of a computer&#10;&#10;Description automatically generated">
@@ -26280,14 +26226,54 @@
         </p:blipFill>
         <p:spPr>
           <a:xfrm>
-            <a:off x="1001743" y="1234440"/>
-            <a:ext cx="8988077" cy="5517088"/>
+            <a:off x="1479091" y="694945"/>
+            <a:ext cx="9546615" cy="5859932"/>
           </a:xfrm>
           <a:prstGeom prst="rect">
             <a:avLst/>
           </a:prstGeom>
         </p:spPr>
       </p:pic>
+      <p:sp>
+        <p:nvSpPr>
+          <p:cNvPr id="2" name="Title 1">
+            <a:extLst>
+              <a:ext uri="{FF2B5EF4-FFF2-40B4-BE49-F238E27FC236}">
+                <a16:creationId xmlns:a16="http://schemas.microsoft.com/office/drawing/2014/main" id="{929D1403-E27E-CEF9-A5E7-08D6B6BED932}"/>
+              </a:ext>
+            </a:extLst>
+          </p:cNvPr>
+          <p:cNvSpPr>
+            <a:spLocks noGrp="1"/>
+          </p:cNvSpPr>
+          <p:nvPr>
+            <p:ph type="title"/>
+          </p:nvPr>
+        </p:nvSpPr>
+        <p:spPr>
+          <a:xfrm>
+            <a:off x="1001743" y="231544"/>
+            <a:ext cx="4248913" cy="771352"/>
+          </a:xfrm>
+        </p:spPr>
+        <p:txBody>
+          <a:bodyPr>
+            <a:normAutofit/>
+          </a:bodyPr>
+          <a:lstStyle/>
+          <a:p>
+            <a:r>
+              <a:rPr lang="vi-VN" sz="2800" dirty="0">
+                <a:latin typeface="+mn-lt"/>
+              </a:rPr>
+              <a:t>7. CƠ SỞ DỮ LIỆU</a:t>
+            </a:r>
+            <a:endParaRPr lang="en-US" sz="2800" dirty="0">
+              <a:latin typeface="+mn-lt"/>
+            </a:endParaRPr>
+          </a:p>
+        </p:txBody>
+      </p:sp>
     </p:spTree>
     <p:extLst>
       <p:ext uri="{BB962C8B-B14F-4D97-AF65-F5344CB8AC3E}">

--- a/thesis/abs/DOANCN_PhamDuyTan.pptx
+++ b/thesis/abs/DOANCN_PhamDuyTan.pptx
@@ -18909,7 +18909,7 @@
           <a:p>
             <a:fld id="{1BE29360-F96B-430B-BC6D-21D78918F6BA}" type="datetimeFigureOut">
               <a:rPr lang="en-US" smtClean="0"/>
-              <a:t>27/12/2025</a:t>
+              <a:t>8/1/2026</a:t>
             </a:fld>
             <a:endParaRPr lang="en-US"/>
           </a:p>
@@ -19458,7 +19458,7 @@
           <a:p>
             <a:fld id="{BF18EDFD-DA2A-4597-902F-D24D486DF05F}" type="datetimeFigureOut">
               <a:rPr lang="en-US" smtClean="0"/>
-              <a:t>27/12/2025</a:t>
+              <a:t>8/1/2026</a:t>
             </a:fld>
             <a:endParaRPr lang="en-US"/>
           </a:p>
@@ -19631,7 +19631,7 @@
           <a:p>
             <a:fld id="{BF18EDFD-DA2A-4597-902F-D24D486DF05F}" type="datetimeFigureOut">
               <a:rPr lang="en-US" smtClean="0"/>
-              <a:t>27/12/2025</a:t>
+              <a:t>8/1/2026</a:t>
             </a:fld>
             <a:endParaRPr lang="en-US"/>
           </a:p>
@@ -19805,7 +19805,7 @@
           <a:p>
             <a:fld id="{BF18EDFD-DA2A-4597-902F-D24D486DF05F}" type="datetimeFigureOut">
               <a:rPr lang="en-US" smtClean="0"/>
-              <a:t>27/12/2025</a:t>
+              <a:t>8/1/2026</a:t>
             </a:fld>
             <a:endParaRPr lang="en-US"/>
           </a:p>
@@ -19969,7 +19969,7 @@
           <a:p>
             <a:fld id="{BF18EDFD-DA2A-4597-902F-D24D486DF05F}" type="datetimeFigureOut">
               <a:rPr lang="en-US" smtClean="0"/>
-              <a:t>27/12/2025</a:t>
+              <a:t>8/1/2026</a:t>
             </a:fld>
             <a:endParaRPr lang="en-US"/>
           </a:p>
@@ -20210,7 +20210,7 @@
           <a:p>
             <a:fld id="{BF18EDFD-DA2A-4597-902F-D24D486DF05F}" type="datetimeFigureOut">
               <a:rPr lang="en-US" smtClean="0"/>
-              <a:t>27/12/2025</a:t>
+              <a:t>8/1/2026</a:t>
             </a:fld>
             <a:endParaRPr lang="en-US"/>
           </a:p>
@@ -20435,7 +20435,7 @@
           <a:p>
             <a:fld id="{BF18EDFD-DA2A-4597-902F-D24D486DF05F}" type="datetimeFigureOut">
               <a:rPr lang="en-US" smtClean="0"/>
-              <a:t>27/12/2025</a:t>
+              <a:t>8/1/2026</a:t>
             </a:fld>
             <a:endParaRPr lang="en-US"/>
           </a:p>
@@ -20795,7 +20795,7 @@
           <a:p>
             <a:fld id="{BF18EDFD-DA2A-4597-902F-D24D486DF05F}" type="datetimeFigureOut">
               <a:rPr lang="en-US" smtClean="0"/>
-              <a:t>27/12/2025</a:t>
+              <a:t>8/1/2026</a:t>
             </a:fld>
             <a:endParaRPr lang="en-US"/>
           </a:p>
@@ -20908,7 +20908,7 @@
           <a:p>
             <a:fld id="{BF18EDFD-DA2A-4597-902F-D24D486DF05F}" type="datetimeFigureOut">
               <a:rPr lang="en-US" smtClean="0"/>
-              <a:t>27/12/2025</a:t>
+              <a:t>8/1/2026</a:t>
             </a:fld>
             <a:endParaRPr lang="en-US"/>
           </a:p>
@@ -20999,7 +20999,7 @@
           <a:p>
             <a:fld id="{BF18EDFD-DA2A-4597-902F-D24D486DF05F}" type="datetimeFigureOut">
               <a:rPr lang="en-US" smtClean="0"/>
-              <a:t>27/12/2025</a:t>
+              <a:t>8/1/2026</a:t>
             </a:fld>
             <a:endParaRPr lang="en-US"/>
           </a:p>
@@ -21270,7 +21270,7 @@
           <a:p>
             <a:fld id="{BF18EDFD-DA2A-4597-902F-D24D486DF05F}" type="datetimeFigureOut">
               <a:rPr lang="en-US" smtClean="0"/>
-              <a:t>27/12/2025</a:t>
+              <a:t>8/1/2026</a:t>
             </a:fld>
             <a:endParaRPr lang="en-US"/>
           </a:p>
@@ -21518,7 +21518,7 @@
           <a:p>
             <a:fld id="{BF18EDFD-DA2A-4597-902F-D24D486DF05F}" type="datetimeFigureOut">
               <a:rPr lang="en-US" smtClean="0"/>
-              <a:t>27/12/2025</a:t>
+              <a:t>8/1/2026</a:t>
             </a:fld>
             <a:endParaRPr lang="en-US"/>
           </a:p>
@@ -21725,7 +21725,7 @@
           <a:p>
             <a:fld id="{BF18EDFD-DA2A-4597-902F-D24D486DF05F}" type="datetimeFigureOut">
               <a:rPr lang="en-US" smtClean="0"/>
-              <a:t>27/12/2025</a:t>
+              <a:t>8/1/2026</a:t>
             </a:fld>
             <a:endParaRPr lang="en-US"/>
           </a:p>
@@ -22362,8 +22362,8 @@
         </p:nvSpPr>
         <p:spPr>
           <a:xfrm>
-            <a:off x="2260244" y="343452"/>
-            <a:ext cx="4245906" cy="461665"/>
+            <a:off x="1463961" y="377074"/>
+            <a:ext cx="4632037" cy="461665"/>
           </a:xfrm>
           <a:prstGeom prst="rect">
             <a:avLst/>
@@ -22377,7 +22377,7 @@
           <a:lstStyle/>
           <a:p>
             <a:r>
-              <a:rPr lang="en-US" sz="2400">
+              <a:rPr lang="en-US" sz="2400" dirty="0">
                 <a:solidFill>
                   <a:schemeClr val="bg1"/>
                 </a:solidFill>
@@ -22387,7 +22387,27 @@
               <a:t>Trường</a:t>
             </a:r>
             <a:r>
-              <a:rPr lang="vi-VN" sz="2400">
+              <a:rPr lang="vi-VN" sz="2400" dirty="0">
+                <a:solidFill>
+                  <a:schemeClr val="bg1"/>
+                </a:solidFill>
+                <a:latin typeface="Arial" panose="020B0604020202020204" pitchFamily="34" charset="0"/>
+                <a:cs typeface="Arial" panose="020B0604020202020204" pitchFamily="34" charset="0"/>
+              </a:rPr>
+              <a:t> Kỹ Thuật </a:t>
+            </a:r>
+            <a:r>
+              <a:rPr lang="en-US" sz="2400" dirty="0" err="1">
+                <a:solidFill>
+                  <a:schemeClr val="bg1"/>
+                </a:solidFill>
+                <a:latin typeface="Arial" panose="020B0604020202020204" pitchFamily="34" charset="0"/>
+                <a:cs typeface="Arial" panose="020B0604020202020204" pitchFamily="34" charset="0"/>
+              </a:rPr>
+              <a:t>Và</a:t>
+            </a:r>
+            <a:r>
+              <a:rPr lang="en-US" sz="2400" dirty="0">
                 <a:solidFill>
                   <a:schemeClr val="bg1"/>
                 </a:solidFill>
@@ -22404,7 +22424,7 @@
                 <a:latin typeface="Arial" panose="020B0604020202020204" pitchFamily="34" charset="0"/>
                 <a:cs typeface="Arial" panose="020B0604020202020204" pitchFamily="34" charset="0"/>
               </a:rPr>
-              <a:t>Kỹ Thuật Công Nghệ</a:t>
+              <a:t>Công Nghệ</a:t>
             </a:r>
             <a:endParaRPr lang="en-US" sz="2400" dirty="0">
               <a:solidFill>
@@ -22432,15 +22452,15 @@
               </a:ext>
             </a:extLst>
           </a:blip>
-          <a:srcRect r="74850"/>
+          <a:srcRect r="83905"/>
           <a:stretch>
             <a:fillRect/>
           </a:stretch>
         </p:blipFill>
         <p:spPr>
           <a:xfrm>
-            <a:off x="-211679" y="94275"/>
-            <a:ext cx="2555115" cy="1237841"/>
+            <a:off x="-15856" y="-13400"/>
+            <a:ext cx="1818976" cy="1376928"/>
           </a:xfrm>
           <a:prstGeom prst="rect">
             <a:avLst/>
